--- a/中間発表/ビーバー中間発表.pptx
+++ b/中間発表/ビーバー中間発表.pptx
@@ -2,8 +2,11 @@
 <file path=ppt/presentation.xml><?xml version="1.0" encoding="utf-8"?>
 <p:presentation xmlns:a="http://schemas.openxmlformats.org/drawingml/2006/main" xmlns:r="http://schemas.openxmlformats.org/officeDocument/2006/relationships" xmlns:p="http://schemas.openxmlformats.org/presentationml/2006/main" saveSubsetFonts="1" autoCompressPictures="0">
   <p:sldMasterIdLst>
-    <p:sldMasterId id="2147483648" r:id="rId1"/>
+    <p:sldMasterId id="2147483678" r:id="rId1"/>
   </p:sldMasterIdLst>
+  <p:notesMasterIdLst>
+    <p:notesMasterId r:id="rId16"/>
+  </p:notesMasterIdLst>
   <p:sldIdLst>
     <p:sldId id="256" r:id="rId2"/>
     <p:sldId id="262" r:id="rId3"/>
@@ -117,7 +120,478 @@
       </a:defRPr>
     </a:lvl9pPr>
   </p:defaultTextStyle>
+  <p:extLst>
+    <p:ext uri="{EFAFB233-063F-42B5-8137-9DF3F51BA10A}">
+      <p15:sldGuideLst xmlns:p15="http://schemas.microsoft.com/office/powerpoint/2012/main"/>
+    </p:ext>
+  </p:extLst>
 </p:presentation>
+</file>
+
+<file path=ppt/notesMasters/notesMaster1.xml><?xml version="1.0" encoding="utf-8"?>
+<p:notesMaster xmlns:a="http://schemas.openxmlformats.org/drawingml/2006/main" xmlns:r="http://schemas.openxmlformats.org/officeDocument/2006/relationships" xmlns:p="http://schemas.openxmlformats.org/presentationml/2006/main">
+  <p:cSld>
+    <p:bg>
+      <p:bgRef idx="1001">
+        <a:schemeClr val="bg1"/>
+      </p:bgRef>
+    </p:bg>
+    <p:spTree>
+      <p:nvGrpSpPr>
+        <p:cNvPr id="1" name=""/>
+        <p:cNvGrpSpPr/>
+        <p:nvPr/>
+      </p:nvGrpSpPr>
+      <p:grpSpPr>
+        <a:xfrm>
+          <a:off x="0" y="0"/>
+          <a:ext cx="0" cy="0"/>
+          <a:chOff x="0" y="0"/>
+          <a:chExt cx="0" cy="0"/>
+        </a:xfrm>
+      </p:grpSpPr>
+      <p:sp>
+        <p:nvSpPr>
+          <p:cNvPr id="2" name="ヘッダー プレースホルダー 1"/>
+          <p:cNvSpPr>
+            <a:spLocks noGrp="1"/>
+          </p:cNvSpPr>
+          <p:nvPr>
+            <p:ph type="hdr" sz="quarter"/>
+          </p:nvPr>
+        </p:nvSpPr>
+        <p:spPr>
+          <a:xfrm>
+            <a:off x="0" y="0"/>
+            <a:ext cx="2971800" cy="458788"/>
+          </a:xfrm>
+          <a:prstGeom prst="rect">
+            <a:avLst/>
+          </a:prstGeom>
+        </p:spPr>
+        <p:txBody>
+          <a:bodyPr vert="horz" lIns="91440" tIns="45720" rIns="91440" bIns="45720" rtlCol="0"/>
+          <a:lstStyle>
+            <a:lvl1pPr algn="l">
+              <a:defRPr sz="1200"/>
+            </a:lvl1pPr>
+          </a:lstStyle>
+          <a:p>
+            <a:endParaRPr kumimoji="1" lang="ja-JP" altLang="en-US"/>
+          </a:p>
+        </p:txBody>
+      </p:sp>
+      <p:sp>
+        <p:nvSpPr>
+          <p:cNvPr id="3" name="日付プレースホルダー 2"/>
+          <p:cNvSpPr>
+            <a:spLocks noGrp="1"/>
+          </p:cNvSpPr>
+          <p:nvPr>
+            <p:ph type="dt" idx="1"/>
+          </p:nvPr>
+        </p:nvSpPr>
+        <p:spPr>
+          <a:xfrm>
+            <a:off x="3884613" y="0"/>
+            <a:ext cx="2971800" cy="458788"/>
+          </a:xfrm>
+          <a:prstGeom prst="rect">
+            <a:avLst/>
+          </a:prstGeom>
+        </p:spPr>
+        <p:txBody>
+          <a:bodyPr vert="horz" lIns="91440" tIns="45720" rIns="91440" bIns="45720" rtlCol="0"/>
+          <a:lstStyle>
+            <a:lvl1pPr algn="r">
+              <a:defRPr sz="1200"/>
+            </a:lvl1pPr>
+          </a:lstStyle>
+          <a:p>
+            <a:fld id="{21B5033C-CE68-254F-887F-37F991611D30}" type="datetimeFigureOut">
+              <a:rPr kumimoji="1" lang="ja-JP" altLang="en-US" smtClean="0"/>
+              <a:t>2015/12/14</a:t>
+            </a:fld>
+            <a:endParaRPr kumimoji="1" lang="ja-JP" altLang="en-US"/>
+          </a:p>
+        </p:txBody>
+      </p:sp>
+      <p:sp>
+        <p:nvSpPr>
+          <p:cNvPr id="4" name="スライド イメージ プレースホルダー 3"/>
+          <p:cNvSpPr>
+            <a:spLocks noGrp="1" noRot="1" noChangeAspect="1"/>
+          </p:cNvSpPr>
+          <p:nvPr>
+            <p:ph type="sldImg" idx="2"/>
+          </p:nvPr>
+        </p:nvSpPr>
+        <p:spPr>
+          <a:xfrm>
+            <a:off x="685800" y="1143000"/>
+            <a:ext cx="5486400" cy="3086100"/>
+          </a:xfrm>
+          <a:prstGeom prst="rect">
+            <a:avLst/>
+          </a:prstGeom>
+          <a:noFill/>
+          <a:ln w="12700">
+            <a:solidFill>
+              <a:prstClr val="black"/>
+            </a:solidFill>
+          </a:ln>
+        </p:spPr>
+        <p:txBody>
+          <a:bodyPr vert="horz" lIns="91440" tIns="45720" rIns="91440" bIns="45720" rtlCol="0" anchor="ctr"/>
+          <a:lstStyle/>
+          <a:p>
+            <a:endParaRPr lang="ja-JP" altLang="en-US"/>
+          </a:p>
+        </p:txBody>
+      </p:sp>
+      <p:sp>
+        <p:nvSpPr>
+          <p:cNvPr id="5" name="ノート プレースホルダー 4"/>
+          <p:cNvSpPr>
+            <a:spLocks noGrp="1"/>
+          </p:cNvSpPr>
+          <p:nvPr>
+            <p:ph type="body" sz="quarter" idx="3"/>
+          </p:nvPr>
+        </p:nvSpPr>
+        <p:spPr>
+          <a:xfrm>
+            <a:off x="685800" y="4400550"/>
+            <a:ext cx="5486400" cy="3600450"/>
+          </a:xfrm>
+          <a:prstGeom prst="rect">
+            <a:avLst/>
+          </a:prstGeom>
+        </p:spPr>
+        <p:txBody>
+          <a:bodyPr vert="horz" lIns="91440" tIns="45720" rIns="91440" bIns="45720" rtlCol="0"/>
+          <a:lstStyle/>
+          <a:p>
+            <a:pPr lvl="0"/>
+            <a:r>
+              <a:rPr kumimoji="1" lang="ja-JP" altLang="en-US" smtClean="0"/>
+              <a:t>マスター テキストの書式設定</a:t>
+            </a:r>
+          </a:p>
+          <a:p>
+            <a:pPr lvl="1"/>
+            <a:r>
+              <a:rPr kumimoji="1" lang="ja-JP" altLang="en-US" smtClean="0"/>
+              <a:t>第 </a:t>
+            </a:r>
+            <a:r>
+              <a:rPr kumimoji="1" lang="en-US" altLang="ja-JP" smtClean="0"/>
+              <a:t>2 </a:t>
+            </a:r>
+            <a:r>
+              <a:rPr kumimoji="1" lang="ja-JP" altLang="en-US" smtClean="0"/>
+              <a:t>レベル</a:t>
+            </a:r>
+          </a:p>
+          <a:p>
+            <a:pPr lvl="2"/>
+            <a:r>
+              <a:rPr kumimoji="1" lang="ja-JP" altLang="en-US" smtClean="0"/>
+              <a:t>第 </a:t>
+            </a:r>
+            <a:r>
+              <a:rPr kumimoji="1" lang="en-US" altLang="ja-JP" smtClean="0"/>
+              <a:t>3 </a:t>
+            </a:r>
+            <a:r>
+              <a:rPr kumimoji="1" lang="ja-JP" altLang="en-US" smtClean="0"/>
+              <a:t>レベル</a:t>
+            </a:r>
+          </a:p>
+          <a:p>
+            <a:pPr lvl="3"/>
+            <a:r>
+              <a:rPr kumimoji="1" lang="ja-JP" altLang="en-US" smtClean="0"/>
+              <a:t>第 </a:t>
+            </a:r>
+            <a:r>
+              <a:rPr kumimoji="1" lang="en-US" altLang="ja-JP" smtClean="0"/>
+              <a:t>4 </a:t>
+            </a:r>
+            <a:r>
+              <a:rPr kumimoji="1" lang="ja-JP" altLang="en-US" smtClean="0"/>
+              <a:t>レベル</a:t>
+            </a:r>
+          </a:p>
+          <a:p>
+            <a:pPr lvl="4"/>
+            <a:r>
+              <a:rPr kumimoji="1" lang="ja-JP" altLang="en-US" smtClean="0"/>
+              <a:t>第 </a:t>
+            </a:r>
+            <a:r>
+              <a:rPr kumimoji="1" lang="en-US" altLang="ja-JP" smtClean="0"/>
+              <a:t>5 </a:t>
+            </a:r>
+            <a:r>
+              <a:rPr kumimoji="1" lang="ja-JP" altLang="en-US" smtClean="0"/>
+              <a:t>レベル</a:t>
+            </a:r>
+            <a:endParaRPr kumimoji="1" lang="ja-JP" altLang="en-US"/>
+          </a:p>
+        </p:txBody>
+      </p:sp>
+      <p:sp>
+        <p:nvSpPr>
+          <p:cNvPr id="6" name="フッター プレースホルダー 5"/>
+          <p:cNvSpPr>
+            <a:spLocks noGrp="1"/>
+          </p:cNvSpPr>
+          <p:nvPr>
+            <p:ph type="ftr" sz="quarter" idx="4"/>
+          </p:nvPr>
+        </p:nvSpPr>
+        <p:spPr>
+          <a:xfrm>
+            <a:off x="0" y="8685213"/>
+            <a:ext cx="2971800" cy="458787"/>
+          </a:xfrm>
+          <a:prstGeom prst="rect">
+            <a:avLst/>
+          </a:prstGeom>
+        </p:spPr>
+        <p:txBody>
+          <a:bodyPr vert="horz" lIns="91440" tIns="45720" rIns="91440" bIns="45720" rtlCol="0" anchor="b"/>
+          <a:lstStyle>
+            <a:lvl1pPr algn="l">
+              <a:defRPr sz="1200"/>
+            </a:lvl1pPr>
+          </a:lstStyle>
+          <a:p>
+            <a:endParaRPr kumimoji="1" lang="ja-JP" altLang="en-US"/>
+          </a:p>
+        </p:txBody>
+      </p:sp>
+      <p:sp>
+        <p:nvSpPr>
+          <p:cNvPr id="7" name="スライド番号プレースホルダー 6"/>
+          <p:cNvSpPr>
+            <a:spLocks noGrp="1"/>
+          </p:cNvSpPr>
+          <p:nvPr>
+            <p:ph type="sldNum" sz="quarter" idx="5"/>
+          </p:nvPr>
+        </p:nvSpPr>
+        <p:spPr>
+          <a:xfrm>
+            <a:off x="3884613" y="8685213"/>
+            <a:ext cx="2971800" cy="458787"/>
+          </a:xfrm>
+          <a:prstGeom prst="rect">
+            <a:avLst/>
+          </a:prstGeom>
+        </p:spPr>
+        <p:txBody>
+          <a:bodyPr vert="horz" lIns="91440" tIns="45720" rIns="91440" bIns="45720" rtlCol="0" anchor="b"/>
+          <a:lstStyle>
+            <a:lvl1pPr algn="r">
+              <a:defRPr sz="1200"/>
+            </a:lvl1pPr>
+          </a:lstStyle>
+          <a:p>
+            <a:fld id="{B145064B-ABEF-8E49-BD9A-DFCBAA38EBFD}" type="slidenum">
+              <a:rPr kumimoji="1" lang="ja-JP" altLang="en-US" smtClean="0"/>
+              <a:t>‹#›</a:t>
+            </a:fld>
+            <a:endParaRPr kumimoji="1" lang="ja-JP" altLang="en-US"/>
+          </a:p>
+        </p:txBody>
+      </p:sp>
+    </p:spTree>
+    <p:extLst>
+      <p:ext uri="{BB962C8B-B14F-4D97-AF65-F5344CB8AC3E}">
+        <p14:creationId xmlns:p14="http://schemas.microsoft.com/office/powerpoint/2010/main" val="1304329229"/>
+      </p:ext>
+    </p:extLst>
+  </p:cSld>
+  <p:clrMap bg1="lt1" tx1="dk1" bg2="lt2" tx2="dk2" accent1="accent1" accent2="accent2" accent3="accent3" accent4="accent4" accent5="accent5" accent6="accent6" hlink="hlink" folHlink="folHlink"/>
+  <p:notesStyle>
+    <a:lvl1pPr marL="0" algn="l" defTabSz="914400" rtl="0" eaLnBrk="1" latinLnBrk="0" hangingPunct="1">
+      <a:defRPr kumimoji="1" sz="1200" kern="1200">
+        <a:solidFill>
+          <a:schemeClr val="tx1"/>
+        </a:solidFill>
+        <a:latin typeface="+mn-lt"/>
+        <a:ea typeface="+mn-ea"/>
+        <a:cs typeface="+mn-cs"/>
+      </a:defRPr>
+    </a:lvl1pPr>
+    <a:lvl2pPr marL="457200" algn="l" defTabSz="914400" rtl="0" eaLnBrk="1" latinLnBrk="0" hangingPunct="1">
+      <a:defRPr kumimoji="1" sz="1200" kern="1200">
+        <a:solidFill>
+          <a:schemeClr val="tx1"/>
+        </a:solidFill>
+        <a:latin typeface="+mn-lt"/>
+        <a:ea typeface="+mn-ea"/>
+        <a:cs typeface="+mn-cs"/>
+      </a:defRPr>
+    </a:lvl2pPr>
+    <a:lvl3pPr marL="914400" algn="l" defTabSz="914400" rtl="0" eaLnBrk="1" latinLnBrk="0" hangingPunct="1">
+      <a:defRPr kumimoji="1" sz="1200" kern="1200">
+        <a:solidFill>
+          <a:schemeClr val="tx1"/>
+        </a:solidFill>
+        <a:latin typeface="+mn-lt"/>
+        <a:ea typeface="+mn-ea"/>
+        <a:cs typeface="+mn-cs"/>
+      </a:defRPr>
+    </a:lvl3pPr>
+    <a:lvl4pPr marL="1371600" algn="l" defTabSz="914400" rtl="0" eaLnBrk="1" latinLnBrk="0" hangingPunct="1">
+      <a:defRPr kumimoji="1" sz="1200" kern="1200">
+        <a:solidFill>
+          <a:schemeClr val="tx1"/>
+        </a:solidFill>
+        <a:latin typeface="+mn-lt"/>
+        <a:ea typeface="+mn-ea"/>
+        <a:cs typeface="+mn-cs"/>
+      </a:defRPr>
+    </a:lvl4pPr>
+    <a:lvl5pPr marL="1828800" algn="l" defTabSz="914400" rtl="0" eaLnBrk="1" latinLnBrk="0" hangingPunct="1">
+      <a:defRPr kumimoji="1" sz="1200" kern="1200">
+        <a:solidFill>
+          <a:schemeClr val="tx1"/>
+        </a:solidFill>
+        <a:latin typeface="+mn-lt"/>
+        <a:ea typeface="+mn-ea"/>
+        <a:cs typeface="+mn-cs"/>
+      </a:defRPr>
+    </a:lvl5pPr>
+    <a:lvl6pPr marL="2286000" algn="l" defTabSz="914400" rtl="0" eaLnBrk="1" latinLnBrk="0" hangingPunct="1">
+      <a:defRPr kumimoji="1" sz="1200" kern="1200">
+        <a:solidFill>
+          <a:schemeClr val="tx1"/>
+        </a:solidFill>
+        <a:latin typeface="+mn-lt"/>
+        <a:ea typeface="+mn-ea"/>
+        <a:cs typeface="+mn-cs"/>
+      </a:defRPr>
+    </a:lvl6pPr>
+    <a:lvl7pPr marL="2743200" algn="l" defTabSz="914400" rtl="0" eaLnBrk="1" latinLnBrk="0" hangingPunct="1">
+      <a:defRPr kumimoji="1" sz="1200" kern="1200">
+        <a:solidFill>
+          <a:schemeClr val="tx1"/>
+        </a:solidFill>
+        <a:latin typeface="+mn-lt"/>
+        <a:ea typeface="+mn-ea"/>
+        <a:cs typeface="+mn-cs"/>
+      </a:defRPr>
+    </a:lvl7pPr>
+    <a:lvl8pPr marL="3200400" algn="l" defTabSz="914400" rtl="0" eaLnBrk="1" latinLnBrk="0" hangingPunct="1">
+      <a:defRPr kumimoji="1" sz="1200" kern="1200">
+        <a:solidFill>
+          <a:schemeClr val="tx1"/>
+        </a:solidFill>
+        <a:latin typeface="+mn-lt"/>
+        <a:ea typeface="+mn-ea"/>
+        <a:cs typeface="+mn-cs"/>
+      </a:defRPr>
+    </a:lvl8pPr>
+    <a:lvl9pPr marL="3657600" algn="l" defTabSz="914400" rtl="0" eaLnBrk="1" latinLnBrk="0" hangingPunct="1">
+      <a:defRPr kumimoji="1" sz="1200" kern="1200">
+        <a:solidFill>
+          <a:schemeClr val="tx1"/>
+        </a:solidFill>
+        <a:latin typeface="+mn-lt"/>
+        <a:ea typeface="+mn-ea"/>
+        <a:cs typeface="+mn-cs"/>
+      </a:defRPr>
+    </a:lvl9pPr>
+  </p:notesStyle>
+</p:notesMaster>
+</file>
+
+<file path=ppt/notesSlides/notesSlide1.xml><?xml version="1.0" encoding="utf-8"?>
+<p:notes xmlns:a="http://schemas.openxmlformats.org/drawingml/2006/main" xmlns:r="http://schemas.openxmlformats.org/officeDocument/2006/relationships" xmlns:p="http://schemas.openxmlformats.org/presentationml/2006/main">
+  <p:cSld>
+    <p:spTree>
+      <p:nvGrpSpPr>
+        <p:cNvPr id="1" name=""/>
+        <p:cNvGrpSpPr/>
+        <p:nvPr/>
+      </p:nvGrpSpPr>
+      <p:grpSpPr>
+        <a:xfrm>
+          <a:off x="0" y="0"/>
+          <a:ext cx="0" cy="0"/>
+          <a:chOff x="0" y="0"/>
+          <a:chExt cx="0" cy="0"/>
+        </a:xfrm>
+      </p:grpSpPr>
+      <p:sp>
+        <p:nvSpPr>
+          <p:cNvPr id="2" name="スライド イメージ プレースホルダー 1"/>
+          <p:cNvSpPr>
+            <a:spLocks noGrp="1" noRot="1" noChangeAspect="1"/>
+          </p:cNvSpPr>
+          <p:nvPr>
+            <p:ph type="sldImg"/>
+          </p:nvPr>
+        </p:nvSpPr>
+        <p:spPr/>
+      </p:sp>
+      <p:sp>
+        <p:nvSpPr>
+          <p:cNvPr id="3" name="ノート プレースホルダー 2"/>
+          <p:cNvSpPr>
+            <a:spLocks noGrp="1"/>
+          </p:cNvSpPr>
+          <p:nvPr>
+            <p:ph type="body" idx="1"/>
+          </p:nvPr>
+        </p:nvSpPr>
+        <p:spPr/>
+        <p:txBody>
+          <a:bodyPr/>
+          <a:lstStyle/>
+          <a:p>
+            <a:endParaRPr kumimoji="1" lang="ja-JP" altLang="en-US" dirty="0"/>
+          </a:p>
+        </p:txBody>
+      </p:sp>
+      <p:sp>
+        <p:nvSpPr>
+          <p:cNvPr id="4" name="スライド番号プレースホルダー 3"/>
+          <p:cNvSpPr>
+            <a:spLocks noGrp="1"/>
+          </p:cNvSpPr>
+          <p:nvPr>
+            <p:ph type="sldNum" sz="quarter" idx="10"/>
+          </p:nvPr>
+        </p:nvSpPr>
+        <p:spPr/>
+        <p:txBody>
+          <a:bodyPr/>
+          <a:lstStyle/>
+          <a:p>
+            <a:fld id="{B145064B-ABEF-8E49-BD9A-DFCBAA38EBFD}" type="slidenum">
+              <a:rPr kumimoji="1" lang="ja-JP" altLang="en-US" smtClean="0"/>
+              <a:t>4</a:t>
+            </a:fld>
+            <a:endParaRPr kumimoji="1" lang="ja-JP" altLang="en-US"/>
+          </a:p>
+        </p:txBody>
+      </p:sp>
+    </p:spTree>
+    <p:extLst>
+      <p:ext uri="{BB962C8B-B14F-4D97-AF65-F5344CB8AC3E}">
+        <p14:creationId xmlns:p14="http://schemas.microsoft.com/office/powerpoint/2010/main" val="348283227"/>
+      </p:ext>
+    </p:extLst>
+  </p:cSld>
+  <p:clrMapOvr>
+    <a:masterClrMapping/>
+  </p:clrMapOvr>
+</p:notes>
 </file>
 
 <file path=ppt/slideLayouts/slideLayout1.xml><?xml version="1.0" encoding="utf-8"?>
@@ -345,8 +819,8 @@
           <a:lstStyle/>
           <a:p>
             <a:fld id="{4BDF68E2-58F2-4D09-BE8B-E3BD06533059}" type="datetimeFigureOut">
-              <a:rPr lang="en-US" dirty="0"/>
-              <a:t>12/11/15</a:t>
+              <a:rPr lang="en-US" smtClean="0"/>
+              <a:t>12/14/15</a:t>
             </a:fld>
             <a:endParaRPr lang="en-US" dirty="0"/>
           </a:p>
@@ -387,7 +861,7 @@
           <a:lstStyle/>
           <a:p>
             <a:fld id="{4FAB73BC-B049-4115-A692-8D63A059BFB8}" type="slidenum">
-              <a:rPr lang="en-US" dirty="0"/>
+              <a:rPr lang="en-US" smtClean="0"/>
               <a:t>‹#›</a:t>
             </a:fld>
             <a:endParaRPr lang="en-US" dirty="0"/>
@@ -433,6 +907,11 @@
         </p:style>
       </p:cxnSp>
     </p:spTree>
+    <p:extLst>
+      <p:ext uri="{BB962C8B-B14F-4D97-AF65-F5344CB8AC3E}">
+        <p14:creationId xmlns:p14="http://schemas.microsoft.com/office/powerpoint/2010/main" val="582821009"/>
+      </p:ext>
+    </p:extLst>
   </p:cSld>
   <p:clrMapOvr>
     <a:masterClrMapping/>
@@ -579,9 +1058,9 @@
           <a:bodyPr/>
           <a:lstStyle/>
           <a:p>
-            <a:fld id="{2E2D6473-DF6D-4702-B328-E0DD40540A4E}" type="datetimeFigureOut">
-              <a:rPr lang="en-US" dirty="0"/>
-              <a:t>12/11/15</a:t>
+            <a:fld id="{98624D31-43A5-475A-80CF-332C9F6DCF35}" type="datetimeFigureOut">
+              <a:rPr lang="en-US" smtClean="0"/>
+              <a:t>12/14/15</a:t>
             </a:fld>
             <a:endParaRPr lang="en-US" dirty="0"/>
           </a:p>
@@ -622,7 +1101,8 @@
           <a:lstStyle/>
           <a:p>
             <a:fld id="{4FAB73BC-B049-4115-A692-8D63A059BFB8}" type="slidenum">
-              <a:rPr lang="en-US" dirty="0"/>
+              <a:rPr lang="en-US" smtClean="0"/>
+              <a:pPr/>
               <a:t>‹#›</a:t>
             </a:fld>
             <a:endParaRPr lang="en-US" dirty="0"/>
@@ -630,10 +1110,16 @@
         </p:txBody>
       </p:sp>
     </p:spTree>
+    <p:extLst>
+      <p:ext uri="{BB962C8B-B14F-4D97-AF65-F5344CB8AC3E}">
+        <p14:creationId xmlns:p14="http://schemas.microsoft.com/office/powerpoint/2010/main" val="1416840555"/>
+      </p:ext>
+    </p:extLst>
   </p:cSld>
   <p:clrMapOvr>
     <a:masterClrMapping/>
   </p:clrMapOvr>
+  <p:hf sldNum="0" hdr="0" ftr="0" dt="0"/>
 </p:sldLayout>
 </file>
 
@@ -863,8 +1349,8 @@
           <a:lstStyle/>
           <a:p>
             <a:fld id="{E26F7E3A-B166-407D-9866-32884E7D5B37}" type="datetimeFigureOut">
-              <a:rPr lang="en-US" dirty="0"/>
-              <a:t>12/11/15</a:t>
+              <a:rPr lang="en-US" smtClean="0"/>
+              <a:t>12/14/15</a:t>
             </a:fld>
             <a:endParaRPr lang="en-US" dirty="0"/>
           </a:p>
@@ -905,7 +1391,7 @@
           <a:lstStyle/>
           <a:p>
             <a:fld id="{4FAB73BC-B049-4115-A692-8D63A059BFB8}" type="slidenum">
-              <a:rPr lang="en-US" dirty="0"/>
+              <a:rPr lang="en-US" smtClean="0"/>
               <a:t>‹#›</a:t>
             </a:fld>
             <a:endParaRPr lang="en-US" dirty="0"/>
@@ -913,6 +1399,11 @@
         </p:txBody>
       </p:sp>
     </p:spTree>
+    <p:extLst>
+      <p:ext uri="{BB962C8B-B14F-4D97-AF65-F5344CB8AC3E}">
+        <p14:creationId xmlns:p14="http://schemas.microsoft.com/office/powerpoint/2010/main" val="1540529949"/>
+      </p:ext>
+    </p:extLst>
   </p:cSld>
   <p:clrMapOvr>
     <a:masterClrMapping/>
@@ -1064,8 +1555,8 @@
           <a:lstStyle/>
           <a:p>
             <a:fld id="{528FC5F6-F338-4AE4-BB23-26385BCFC423}" type="datetimeFigureOut">
-              <a:rPr lang="en-US" dirty="0"/>
-              <a:t>12/11/15</a:t>
+              <a:rPr lang="en-US" smtClean="0"/>
+              <a:t>12/14/15</a:t>
             </a:fld>
             <a:endParaRPr lang="en-US" dirty="0"/>
           </a:p>
@@ -1106,7 +1597,7 @@
           <a:lstStyle/>
           <a:p>
             <a:fld id="{6113E31D-E2AB-40D1-8B51-AFA5AFEF393A}" type="slidenum">
-              <a:rPr lang="en-US" dirty="0"/>
+              <a:rPr lang="en-US" smtClean="0"/>
               <a:t>‹#›</a:t>
             </a:fld>
             <a:endParaRPr lang="en-US" dirty="0"/>
@@ -1114,6 +1605,11 @@
         </p:txBody>
       </p:sp>
     </p:spTree>
+    <p:extLst>
+      <p:ext uri="{BB962C8B-B14F-4D97-AF65-F5344CB8AC3E}">
+        <p14:creationId xmlns:p14="http://schemas.microsoft.com/office/powerpoint/2010/main" val="799784296"/>
+      </p:ext>
+    </p:extLst>
   </p:cSld>
   <p:clrMapOvr>
     <a:masterClrMapping/>
@@ -1402,8 +1898,8 @@
           <a:lstStyle/>
           <a:p>
             <a:fld id="{20EBB0C4-6273-4C6E-B9BD-2EDC30F1CD52}" type="datetimeFigureOut">
-              <a:rPr lang="en-US" dirty="0"/>
-              <a:t>12/11/15</a:t>
+              <a:rPr lang="en-US" smtClean="0"/>
+              <a:t>12/14/15</a:t>
             </a:fld>
             <a:endParaRPr lang="en-US" dirty="0"/>
           </a:p>
@@ -1444,7 +1940,7 @@
           <a:lstStyle/>
           <a:p>
             <a:fld id="{4FAB73BC-B049-4115-A692-8D63A059BFB8}" type="slidenum">
-              <a:rPr lang="en-US" dirty="0"/>
+              <a:rPr lang="en-US" smtClean="0"/>
               <a:t>‹#›</a:t>
             </a:fld>
             <a:endParaRPr lang="en-US" dirty="0"/>
@@ -1490,6 +1986,11 @@
         </p:style>
       </p:cxnSp>
     </p:spTree>
+    <p:extLst>
+      <p:ext uri="{BB962C8B-B14F-4D97-AF65-F5344CB8AC3E}">
+        <p14:creationId xmlns:p14="http://schemas.microsoft.com/office/powerpoint/2010/main" val="874516299"/>
+      </p:ext>
+    </p:extLst>
   </p:cSld>
   <p:clrMapOvr>
     <a:masterClrMapping/>
@@ -1736,8 +2237,8 @@
           <a:lstStyle/>
           <a:p>
             <a:fld id="{19AB4D41-86C1-4908-B66A-0B50CEB3BF29}" type="datetimeFigureOut">
-              <a:rPr lang="en-US" dirty="0"/>
-              <a:t>12/11/15</a:t>
+              <a:rPr lang="en-US" smtClean="0"/>
+              <a:t>12/14/15</a:t>
             </a:fld>
             <a:endParaRPr lang="en-US" dirty="0"/>
           </a:p>
@@ -1778,7 +2279,7 @@
           <a:lstStyle/>
           <a:p>
             <a:fld id="{4FAB73BC-B049-4115-A692-8D63A059BFB8}" type="slidenum">
-              <a:rPr lang="en-US" dirty="0"/>
+              <a:rPr lang="en-US" smtClean="0"/>
               <a:t>‹#›</a:t>
             </a:fld>
             <a:endParaRPr lang="en-US" dirty="0"/>
@@ -1786,6 +2287,11 @@
         </p:txBody>
       </p:sp>
     </p:spTree>
+    <p:extLst>
+      <p:ext uri="{BB962C8B-B14F-4D97-AF65-F5344CB8AC3E}">
+        <p14:creationId xmlns:p14="http://schemas.microsoft.com/office/powerpoint/2010/main" val="617357225"/>
+      </p:ext>
+    </p:extLst>
   </p:cSld>
   <p:clrMapOvr>
     <a:masterClrMapping/>
@@ -2174,8 +2680,8 @@
           <a:lstStyle/>
           <a:p>
             <a:fld id="{E6426E2C-56C1-4E0D-A793-0088A7FDD37E}" type="datetimeFigureOut">
-              <a:rPr lang="en-US" dirty="0"/>
-              <a:t>12/11/15</a:t>
+              <a:rPr lang="en-US" smtClean="0"/>
+              <a:t>12/14/15</a:t>
             </a:fld>
             <a:endParaRPr lang="en-US" dirty="0"/>
           </a:p>
@@ -2216,7 +2722,7 @@
           <a:lstStyle/>
           <a:p>
             <a:fld id="{4FAB73BC-B049-4115-A692-8D63A059BFB8}" type="slidenum">
-              <a:rPr lang="en-US" dirty="0"/>
+              <a:rPr lang="en-US" smtClean="0"/>
               <a:t>‹#›</a:t>
             </a:fld>
             <a:endParaRPr lang="en-US" dirty="0"/>
@@ -2224,6 +2730,11 @@
         </p:txBody>
       </p:sp>
     </p:spTree>
+    <p:extLst>
+      <p:ext uri="{BB962C8B-B14F-4D97-AF65-F5344CB8AC3E}">
+        <p14:creationId xmlns:p14="http://schemas.microsoft.com/office/powerpoint/2010/main" val="1429381918"/>
+      </p:ext>
+    </p:extLst>
   </p:cSld>
   <p:clrMapOvr>
     <a:masterClrMapping/>
@@ -2287,8 +2798,8 @@
           <a:lstStyle/>
           <a:p>
             <a:fld id="{C8C39B41-D8B5-4052-B551-9B5525EAA8B6}" type="datetimeFigureOut">
-              <a:rPr lang="en-US" dirty="0"/>
-              <a:t>12/11/15</a:t>
+              <a:rPr lang="en-US" smtClean="0"/>
+              <a:t>12/14/15</a:t>
             </a:fld>
             <a:endParaRPr lang="en-US" dirty="0"/>
           </a:p>
@@ -2329,7 +2840,7 @@
           <a:lstStyle/>
           <a:p>
             <a:fld id="{4FAB73BC-B049-4115-A692-8D63A059BFB8}" type="slidenum">
-              <a:rPr lang="en-US" dirty="0"/>
+              <a:rPr lang="en-US" smtClean="0"/>
               <a:t>‹#›</a:t>
             </a:fld>
             <a:endParaRPr lang="en-US" dirty="0"/>
@@ -2337,6 +2848,11 @@
         </p:txBody>
       </p:sp>
     </p:spTree>
+    <p:extLst>
+      <p:ext uri="{BB962C8B-B14F-4D97-AF65-F5344CB8AC3E}">
+        <p14:creationId xmlns:p14="http://schemas.microsoft.com/office/powerpoint/2010/main" val="1869820484"/>
+      </p:ext>
+    </p:extLst>
   </p:cSld>
   <p:clrMapOvr>
     <a:masterClrMapping/>
@@ -2453,8 +2969,8 @@
           <a:lstStyle/>
           <a:p>
             <a:fld id="{4D94136C-8742-45B2-AF27-D93DF72833A9}" type="datetimeFigureOut">
-              <a:rPr lang="en-US" dirty="0"/>
-              <a:t>12/11/15</a:t>
+              <a:rPr lang="en-US" smtClean="0"/>
+              <a:t>12/14/15</a:t>
             </a:fld>
             <a:endParaRPr lang="en-US" dirty="0"/>
           </a:p>
@@ -2503,7 +3019,7 @@
           <a:lstStyle/>
           <a:p>
             <a:fld id="{4FAB73BC-B049-4115-A692-8D63A059BFB8}" type="slidenum">
-              <a:rPr lang="en-US" dirty="0"/>
+              <a:rPr lang="en-US" smtClean="0"/>
               <a:pPr/>
               <a:t>‹#›</a:t>
             </a:fld>
@@ -2512,6 +3028,11 @@
         </p:txBody>
       </p:sp>
     </p:spTree>
+    <p:extLst>
+      <p:ext uri="{BB962C8B-B14F-4D97-AF65-F5344CB8AC3E}">
+        <p14:creationId xmlns:p14="http://schemas.microsoft.com/office/powerpoint/2010/main" val="1944668037"/>
+      </p:ext>
+    </p:extLst>
   </p:cSld>
   <p:clrMapOvr>
     <a:masterClrMapping/>
@@ -2834,9 +3355,9 @@
             </a:lvl1pPr>
           </a:lstStyle>
           <a:p>
-            <a:fld id="{32ABBEA6-7C60-4B02-AE87-00D78D8422AF}" type="datetimeFigureOut">
-              <a:rPr lang="en-US" dirty="0"/>
-              <a:t>12/11/15</a:t>
+            <a:fld id="{98624D31-43A5-475A-80CF-332C9F6DCF35}" type="datetimeFigureOut">
+              <a:rPr lang="en-US" smtClean="0"/>
+              <a:t>12/14/15</a:t>
             </a:fld>
             <a:endParaRPr lang="en-US" dirty="0"/>
           </a:p>
@@ -2898,7 +3419,7 @@
           </a:lstStyle>
           <a:p>
             <a:fld id="{4FAB73BC-B049-4115-A692-8D63A059BFB8}" type="slidenum">
-              <a:rPr lang="en-US" dirty="0"/>
+              <a:rPr lang="en-US" smtClean="0"/>
               <a:pPr/>
               <a:t>‹#›</a:t>
             </a:fld>
@@ -2907,10 +3428,16 @@
         </p:txBody>
       </p:sp>
     </p:spTree>
+    <p:extLst>
+      <p:ext uri="{BB962C8B-B14F-4D97-AF65-F5344CB8AC3E}">
+        <p14:creationId xmlns:p14="http://schemas.microsoft.com/office/powerpoint/2010/main" val="1482074166"/>
+      </p:ext>
+    </p:extLst>
   </p:cSld>
   <p:clrMapOvr>
     <a:masterClrMapping/>
   </p:clrMapOvr>
+  <p:hf sldNum="0" hdr="0" ftr="0" dt="0"/>
 </p:sldLayout>
 </file>
 
@@ -3213,8 +3740,8 @@
           <a:lstStyle/>
           <a:p>
             <a:fld id="{C9CAD897-D46E-4AD2-BD9B-49DD3E640873}" type="datetimeFigureOut">
-              <a:rPr lang="en-US" dirty="0"/>
-              <a:t>12/11/15</a:t>
+              <a:rPr lang="en-US" smtClean="0"/>
+              <a:t>12/14/15</a:t>
             </a:fld>
             <a:endParaRPr lang="en-US" dirty="0"/>
           </a:p>
@@ -3255,7 +3782,7 @@
           <a:lstStyle/>
           <a:p>
             <a:fld id="{4FAB73BC-B049-4115-A692-8D63A059BFB8}" type="slidenum">
-              <a:rPr lang="en-US" dirty="0"/>
+              <a:rPr lang="en-US" smtClean="0"/>
               <a:t>‹#›</a:t>
             </a:fld>
             <a:endParaRPr lang="en-US" dirty="0"/>
@@ -3263,6 +3790,11 @@
         </p:txBody>
       </p:sp>
     </p:spTree>
+    <p:extLst>
+      <p:ext uri="{BB962C8B-B14F-4D97-AF65-F5344CB8AC3E}">
+        <p14:creationId xmlns:p14="http://schemas.microsoft.com/office/powerpoint/2010/main" val="557686409"/>
+      </p:ext>
+    </p:extLst>
   </p:cSld>
   <p:clrMapOvr>
     <a:masterClrMapping/>
@@ -3527,8 +4059,8 @@
           </a:lstStyle>
           <a:p>
             <a:fld id="{98624D31-43A5-475A-80CF-332C9F6DCF35}" type="datetimeFigureOut">
-              <a:rPr lang="en-US" dirty="0"/>
-              <a:t>12/11/15</a:t>
+              <a:rPr lang="en-US" smtClean="0"/>
+              <a:t>12/14/15</a:t>
             </a:fld>
             <a:endParaRPr lang="en-US" dirty="0"/>
           </a:p>
@@ -3601,7 +4133,7 @@
           </a:lstStyle>
           <a:p>
             <a:fld id="{4FAB73BC-B049-4115-A692-8D63A059BFB8}" type="slidenum">
-              <a:rPr lang="en-US" dirty="0"/>
+              <a:rPr lang="en-US" smtClean="0"/>
               <a:pPr/>
               <a:t>‹#›</a:t>
             </a:fld>
@@ -3648,20 +4180,25 @@
         </p:style>
       </p:cxnSp>
     </p:spTree>
+    <p:extLst>
+      <p:ext uri="{BB962C8B-B14F-4D97-AF65-F5344CB8AC3E}">
+        <p14:creationId xmlns:p14="http://schemas.microsoft.com/office/powerpoint/2010/main" val="404181210"/>
+      </p:ext>
+    </p:extLst>
   </p:cSld>
   <p:clrMap bg1="lt1" tx1="dk1" bg2="lt2" tx2="dk2" accent1="accent1" accent2="accent2" accent3="accent3" accent4="accent4" accent5="accent5" accent6="accent6" hlink="hlink" folHlink="folHlink"/>
   <p:sldLayoutIdLst>
-    <p:sldLayoutId id="2147483649" r:id="rId1"/>
-    <p:sldLayoutId id="2147483660" r:id="rId2"/>
-    <p:sldLayoutId id="2147483651" r:id="rId3"/>
-    <p:sldLayoutId id="2147483652" r:id="rId4"/>
-    <p:sldLayoutId id="2147483653" r:id="rId5"/>
-    <p:sldLayoutId id="2147483654" r:id="rId6"/>
-    <p:sldLayoutId id="2147483655" r:id="rId7"/>
-    <p:sldLayoutId id="2147483656" r:id="rId8"/>
-    <p:sldLayoutId id="2147483657" r:id="rId9"/>
-    <p:sldLayoutId id="2147483658" r:id="rId10"/>
-    <p:sldLayoutId id="2147483659" r:id="rId11"/>
+    <p:sldLayoutId id="2147483679" r:id="rId1"/>
+    <p:sldLayoutId id="2147483680" r:id="rId2"/>
+    <p:sldLayoutId id="2147483681" r:id="rId3"/>
+    <p:sldLayoutId id="2147483682" r:id="rId4"/>
+    <p:sldLayoutId id="2147483683" r:id="rId5"/>
+    <p:sldLayoutId id="2147483684" r:id="rId6"/>
+    <p:sldLayoutId id="2147483685" r:id="rId7"/>
+    <p:sldLayoutId id="2147483686" r:id="rId8"/>
+    <p:sldLayoutId id="2147483687" r:id="rId9"/>
+    <p:sldLayoutId id="2147483688" r:id="rId10"/>
+    <p:sldLayoutId id="2147483689" r:id="rId11"/>
   </p:sldLayoutIdLst>
   <p:hf sldNum="0" hdr="0" ftr="0" dt="0"/>
   <p:txStyles>
@@ -4116,6 +4653,13 @@
   <p:clrMapOvr>
     <a:masterClrMapping/>
   </p:clrMapOvr>
+  <p:timing>
+    <p:tnLst>
+      <p:par>
+        <p:cTn id="1" dur="indefinite" restart="never" nodeType="tmRoot"/>
+      </p:par>
+    </p:tnLst>
+  </p:timing>
 </p:sld>
 </file>
 
@@ -4608,6 +5152,13 @@
   <p:clrMapOvr>
     <a:masterClrMapping/>
   </p:clrMapOvr>
+  <p:timing>
+    <p:tnLst>
+      <p:par>
+        <p:cTn id="1" dur="indefinite" restart="never" nodeType="tmRoot"/>
+      </p:par>
+    </p:tnLst>
+  </p:timing>
 </p:sld>
 </file>
 
@@ -4661,25 +5212,195 @@
             <p:ph idx="1"/>
           </p:nvPr>
         </p:nvSpPr>
-        <p:spPr/>
-        <p:txBody>
-          <a:bodyPr/>
-          <a:lstStyle/>
-          <a:p>
-            <a:r>
-              <a:rPr kumimoji="1" lang="ja-JP" altLang="en-US" dirty="0" smtClean="0"/>
-              <a:t>ビーバーコンテストは世界でも広く行われている</a:t>
-            </a:r>
-          </a:p>
-          <a:p>
-            <a:r>
-              <a:rPr kumimoji="1" lang="ja-JP" altLang="en-US" dirty="0" smtClean="0"/>
-              <a:t>コンピューターサイエンスに関係する学生向けコンテスト</a:t>
-            </a:r>
-            <a:endParaRPr kumimoji="1" lang="ja-JP" altLang="en-US" dirty="0"/>
-          </a:p>
-        </p:txBody>
-      </p:sp>
+        <p:spPr>
+          <a:xfrm>
+            <a:off x="1097280" y="1845734"/>
+            <a:ext cx="8629816" cy="4023360"/>
+          </a:xfrm>
+        </p:spPr>
+        <p:txBody>
+          <a:bodyPr>
+            <a:normAutofit lnSpcReduction="10000"/>
+          </a:bodyPr>
+          <a:lstStyle/>
+          <a:p>
+            <a:r>
+              <a:rPr lang="ja-JP" altLang="en-US" sz="2800" dirty="0" smtClean="0"/>
+              <a:t>・</a:t>
+            </a:r>
+            <a:r>
+              <a:rPr lang="ja-JP" altLang="en-US" sz="2800" dirty="0" smtClean="0"/>
+              <a:t>日本</a:t>
+            </a:r>
+            <a:r>
+              <a:rPr lang="ja-JP" altLang="en-US" sz="2800" dirty="0"/>
+              <a:t>の学年でいうと小学 </a:t>
+            </a:r>
+            <a:r>
+              <a:rPr lang="en-US" altLang="ja-JP" sz="2800" dirty="0"/>
+              <a:t>5 </a:t>
+            </a:r>
+            <a:r>
+              <a:rPr lang="ja-JP" altLang="en-US" sz="2800" dirty="0"/>
+              <a:t>年生から高校 </a:t>
+            </a:r>
+            <a:r>
+              <a:rPr lang="en-US" altLang="ja-JP" sz="2800" dirty="0"/>
+              <a:t>3 </a:t>
+            </a:r>
+            <a:r>
+              <a:rPr lang="ja-JP" altLang="en-US" sz="2800" dirty="0"/>
+              <a:t>年生</a:t>
+            </a:r>
+            <a:r>
+              <a:rPr lang="ja-JP" altLang="en-US" sz="2800" dirty="0" smtClean="0"/>
+              <a:t>までの</a:t>
+            </a:r>
+            <a:endParaRPr lang="en-US" altLang="ja-JP" sz="2800" dirty="0" smtClean="0"/>
+          </a:p>
+          <a:p>
+            <a:pPr marL="0" indent="0">
+              <a:buNone/>
+            </a:pPr>
+            <a:r>
+              <a:rPr lang="en-US" altLang="ja-JP" sz="2800" dirty="0" smtClean="0"/>
+              <a:t> </a:t>
+            </a:r>
+            <a:r>
+              <a:rPr lang="ja-JP" altLang="en-US" sz="2800" dirty="0" smtClean="0"/>
+              <a:t>児童・生徒を対象としている国際的な情報科学コンテスト</a:t>
+            </a:r>
+            <a:endParaRPr lang="en-US" altLang="ja-JP" sz="2800" dirty="0" smtClean="0"/>
+          </a:p>
+          <a:p>
+            <a:endParaRPr kumimoji="1" lang="en-US" altLang="ja-JP" sz="2800" dirty="0"/>
+          </a:p>
+          <a:p>
+            <a:r>
+              <a:rPr lang="ja-JP" altLang="en-US" sz="2800" dirty="0" smtClean="0"/>
+              <a:t>・</a:t>
+            </a:r>
+            <a:r>
+              <a:rPr lang="ja-JP" altLang="en-US" sz="2800" dirty="0" smtClean="0"/>
+              <a:t>情報</a:t>
+            </a:r>
+            <a:r>
+              <a:rPr lang="ja-JP" altLang="en-US" sz="2800" dirty="0"/>
+              <a:t>科学の事前知識がなくても解くことが</a:t>
+            </a:r>
+            <a:r>
+              <a:rPr lang="ja-JP" altLang="en-US" sz="2800" dirty="0" smtClean="0"/>
+              <a:t>可能</a:t>
+            </a:r>
+            <a:endParaRPr lang="en-US" altLang="ja-JP" sz="2800" dirty="0" smtClean="0"/>
+          </a:p>
+          <a:p>
+            <a:endParaRPr lang="en-US" altLang="ja-JP" sz="2800" dirty="0"/>
+          </a:p>
+          <a:p>
+            <a:r>
+              <a:rPr lang="ja-JP" altLang="en-US" sz="2800" dirty="0" smtClean="0"/>
+              <a:t>・</a:t>
+            </a:r>
+            <a:r>
+              <a:rPr lang="en-US" altLang="ja-JP" sz="2800" dirty="0" smtClean="0"/>
+              <a:t>2014</a:t>
+            </a:r>
+            <a:r>
+              <a:rPr lang="ja-JP" altLang="en-US" sz="2800" dirty="0"/>
+              <a:t>年には世界</a:t>
+            </a:r>
+            <a:r>
+              <a:rPr lang="en-US" altLang="ja-JP" sz="2800" dirty="0"/>
+              <a:t>35</a:t>
+            </a:r>
+            <a:r>
+              <a:rPr lang="ja-JP" altLang="en-US" sz="2800" dirty="0"/>
+              <a:t>カ国から</a:t>
+            </a:r>
+            <a:r>
+              <a:rPr lang="en-US" altLang="ja-JP" sz="2800" dirty="0"/>
+              <a:t>92</a:t>
+            </a:r>
+            <a:r>
+              <a:rPr lang="ja-JP" altLang="en-US" sz="2800" dirty="0"/>
+              <a:t>万人の児童・生徒</a:t>
+            </a:r>
+            <a:r>
+              <a:rPr lang="ja-JP" altLang="en-US" sz="2800" dirty="0" smtClean="0"/>
+              <a:t>が</a:t>
+            </a:r>
+            <a:endParaRPr lang="en-US" altLang="ja-JP" sz="2800" dirty="0" smtClean="0"/>
+          </a:p>
+          <a:p>
+            <a:r>
+              <a:rPr lang="ja-JP" altLang="en-US" sz="2800" dirty="0" smtClean="0"/>
+              <a:t>参加</a:t>
+            </a:r>
+            <a:endParaRPr lang="en-US" altLang="ja-JP" sz="2800" dirty="0" smtClean="0"/>
+          </a:p>
+          <a:p>
+            <a:r>
+              <a:rPr lang="en-US" altLang="ja-JP" sz="1800" dirty="0" smtClean="0"/>
+              <a:t>                                         </a:t>
+            </a:r>
+            <a:r>
+              <a:rPr lang="ja-JP" altLang="en-US" sz="1800" dirty="0" smtClean="0"/>
+              <a:t>「ビーバーコンテスト情報ページ」</a:t>
+            </a:r>
+            <a:r>
+              <a:rPr lang="en-US" altLang="ja-JP" sz="1800" dirty="0" smtClean="0"/>
+              <a:t> : </a:t>
+            </a:r>
+            <a:r>
+              <a:rPr lang="en-US" altLang="ja-JP" sz="1800" dirty="0" smtClean="0"/>
+              <a:t>http</a:t>
+            </a:r>
+            <a:r>
+              <a:rPr lang="en-US" altLang="ja-JP" sz="1800" dirty="0"/>
+              <a:t>://</a:t>
+            </a:r>
+            <a:r>
+              <a:rPr lang="en-US" altLang="ja-JP" sz="1800" dirty="0" err="1"/>
+              <a:t>bebras.eplang.jp</a:t>
+            </a:r>
+            <a:r>
+              <a:rPr lang="en-US" altLang="ja-JP" sz="1800" dirty="0"/>
+              <a:t>/</a:t>
+            </a:r>
+          </a:p>
+        </p:txBody>
+      </p:sp>
+      <p:pic>
+        <p:nvPicPr>
+          <p:cNvPr id="6" name="図 5"/>
+          <p:cNvPicPr>
+            <a:picLocks noChangeAspect="1"/>
+          </p:cNvPicPr>
+          <p:nvPr/>
+        </p:nvPicPr>
+        <p:blipFill>
+          <a:blip r:embed="rId2">
+            <a:extLst>
+              <a:ext uri="{28A0092B-C50C-407E-A947-70E740481C1C}">
+                <a14:useLocalDpi xmlns:a14="http://schemas.microsoft.com/office/drawing/2010/main" val="0"/>
+              </a:ext>
+            </a:extLst>
+          </a:blip>
+          <a:stretch>
+            <a:fillRect/>
+          </a:stretch>
+        </p:blipFill>
+        <p:spPr>
+          <a:xfrm>
+            <a:off x="9011478" y="3780663"/>
+            <a:ext cx="1855304" cy="2088431"/>
+          </a:xfrm>
+          <a:prstGeom prst="rect">
+            <a:avLst/>
+          </a:prstGeom>
+        </p:spPr>
+      </p:pic>
     </p:spTree>
     <p:extLst>
       <p:ext uri="{BB962C8B-B14F-4D97-AF65-F5344CB8AC3E}">
@@ -4690,6 +5411,13 @@
   <p:clrMapOvr>
     <a:masterClrMapping/>
   </p:clrMapOvr>
+  <p:timing>
+    <p:tnLst>
+      <p:par>
+        <p:cTn id="1" dur="indefinite" restart="never" nodeType="tmRoot"/>
+      </p:par>
+    </p:tnLst>
+  </p:timing>
 </p:sld>
 </file>
 
@@ -4765,6 +5493,13 @@
   <p:clrMapOvr>
     <a:masterClrMapping/>
   </p:clrMapOvr>
+  <p:timing>
+    <p:tnLst>
+      <p:par>
+        <p:cTn id="1" dur="indefinite" restart="never" nodeType="tmRoot"/>
+      </p:par>
+    </p:tnLst>
+  </p:timing>
 </p:sld>
 </file>
 
@@ -4824,29 +5559,78 @@
           <a:lstStyle/>
           <a:p>
             <a:r>
-              <a:rPr lang="ja-JP" altLang="en-US" dirty="0" smtClean="0"/>
-              <a:t>現在、ビーバーコンテストは遠くのオランダのサーバーに接続する必要がある。</a:t>
-            </a:r>
-          </a:p>
-          <a:p>
-            <a:r>
-              <a:rPr lang="ja-JP" altLang="en-US" dirty="0" smtClean="0"/>
-              <a:t>環境によっては正常に受けられないことがあった。</a:t>
-            </a:r>
-            <a:endParaRPr lang="en-US" altLang="ja-JP" dirty="0" smtClean="0"/>
-          </a:p>
-          <a:p>
-            <a:endParaRPr lang="ja-JP" altLang="en-US" dirty="0" smtClean="0"/>
-          </a:p>
-          <a:p>
-            <a:r>
-              <a:rPr lang="ja-JP" altLang="en-US" dirty="0" smtClean="0"/>
-              <a:t>フランスでソースが公開されていることを知った。</a:t>
-            </a:r>
-            <a:endParaRPr lang="en-US" altLang="ja-JP" dirty="0" smtClean="0"/>
-          </a:p>
-          <a:p>
-            <a:endParaRPr kumimoji="1" lang="en-US" altLang="ja-JP" dirty="0"/>
+              <a:rPr lang="ja-JP" altLang="en-US" sz="2800" dirty="0" smtClean="0"/>
+              <a:t>現在、ビーバーコンテスト</a:t>
+            </a:r>
+            <a:r>
+              <a:rPr lang="ja-JP" altLang="en-US" sz="2800" dirty="0" smtClean="0"/>
+              <a:t>は</a:t>
+            </a:r>
+            <a:r>
+              <a:rPr lang="ja-JP" altLang="en-US" sz="2800" dirty="0" smtClean="0"/>
+              <a:t>離れた</a:t>
+            </a:r>
+            <a:r>
+              <a:rPr lang="ja-JP" altLang="en-US" sz="2800" dirty="0" smtClean="0"/>
+              <a:t>オランダ</a:t>
+            </a:r>
+            <a:r>
+              <a:rPr lang="ja-JP" altLang="en-US" sz="2800" dirty="0" smtClean="0"/>
+              <a:t>のサーバー</a:t>
+            </a:r>
+            <a:r>
+              <a:rPr lang="ja-JP" altLang="en-US" sz="2800" dirty="0" smtClean="0"/>
+              <a:t>に接続する</a:t>
+            </a:r>
+            <a:endParaRPr lang="en-US" altLang="ja-JP" sz="2800" dirty="0" smtClean="0"/>
+          </a:p>
+          <a:p>
+            <a:r>
+              <a:rPr lang="ja-JP" altLang="en-US" sz="2800" dirty="0" smtClean="0"/>
+              <a:t>必要</a:t>
+            </a:r>
+            <a:r>
+              <a:rPr lang="ja-JP" altLang="en-US" sz="2800" dirty="0" smtClean="0"/>
+              <a:t>が</a:t>
+            </a:r>
+            <a:r>
+              <a:rPr lang="ja-JP" altLang="en-US" sz="2800" dirty="0" smtClean="0"/>
+              <a:t>あ</a:t>
+            </a:r>
+            <a:r>
+              <a:rPr lang="ja-JP" altLang="en-US" sz="2800" dirty="0" smtClean="0"/>
+              <a:t>り、</a:t>
+            </a:r>
+            <a:r>
+              <a:rPr lang="ja-JP" altLang="en-US" sz="2800" dirty="0" smtClean="0"/>
+              <a:t>環境</a:t>
+            </a:r>
+            <a:r>
+              <a:rPr lang="ja-JP" altLang="en-US" sz="2800" dirty="0" smtClean="0"/>
+              <a:t>によっては正常に受けられない</a:t>
+            </a:r>
+            <a:r>
+              <a:rPr lang="ja-JP" altLang="en-US" sz="2800" dirty="0" smtClean="0"/>
+              <a:t>ことがあった</a:t>
+            </a:r>
+            <a:endParaRPr lang="en-US" altLang="ja-JP" sz="2800" dirty="0" smtClean="0"/>
+          </a:p>
+          <a:p>
+            <a:endParaRPr lang="en-US" altLang="ja-JP" sz="2800" dirty="0" smtClean="0"/>
+          </a:p>
+          <a:p>
+            <a:pPr marL="0" indent="0">
+              <a:buNone/>
+            </a:pPr>
+            <a:r>
+              <a:rPr lang="en-US" altLang="ja-JP" sz="2800" dirty="0" smtClean="0"/>
+              <a:t> </a:t>
+            </a:r>
+            <a:r>
+              <a:rPr lang="ja-JP" altLang="en-US" sz="2800" dirty="0" smtClean="0"/>
+              <a:t>問題の画像が上手く読み込めない</a:t>
+            </a:r>
+            <a:endParaRPr kumimoji="1" lang="en-US" altLang="ja-JP" sz="2800" dirty="0"/>
           </a:p>
           <a:p>
             <a:endParaRPr kumimoji="1" lang="en-US" altLang="ja-JP" dirty="0" smtClean="0"/>
@@ -4863,6 +5647,13 @@
   <p:clrMapOvr>
     <a:masterClrMapping/>
   </p:clrMapOvr>
+  <p:timing>
+    <p:tnLst>
+      <p:par>
+        <p:cTn id="1" dur="indefinite" restart="never" nodeType="tmRoot"/>
+      </p:par>
+    </p:tnLst>
+  </p:timing>
 </p:sld>
 </file>
 
@@ -4885,6 +5676,52 @@
       </p:grpSpPr>
       <p:sp>
         <p:nvSpPr>
+          <p:cNvPr id="4" name="角丸四角形 3"/>
+          <p:cNvSpPr/>
+          <p:nvPr/>
+        </p:nvSpPr>
+        <p:spPr>
+          <a:xfrm>
+            <a:off x="1097280" y="3591340"/>
+            <a:ext cx="9888772" cy="2146852"/>
+          </a:xfrm>
+          <a:prstGeom prst="roundRect">
+            <a:avLst/>
+          </a:prstGeom>
+          <a:solidFill>
+            <a:schemeClr val="accent1">
+              <a:lumMod val="40000"/>
+              <a:lumOff val="60000"/>
+            </a:schemeClr>
+          </a:solidFill>
+        </p:spPr>
+        <p:style>
+          <a:lnRef idx="2">
+            <a:schemeClr val="accent1">
+              <a:shade val="50000"/>
+            </a:schemeClr>
+          </a:lnRef>
+          <a:fillRef idx="1">
+            <a:schemeClr val="accent1"/>
+          </a:fillRef>
+          <a:effectRef idx="0">
+            <a:schemeClr val="accent1"/>
+          </a:effectRef>
+          <a:fontRef idx="minor">
+            <a:schemeClr val="lt1"/>
+          </a:fontRef>
+        </p:style>
+        <p:txBody>
+          <a:bodyPr rtlCol="0" anchor="ctr"/>
+          <a:lstStyle/>
+          <a:p>
+            <a:pPr algn="ctr"/>
+            <a:endParaRPr kumimoji="1" lang="ja-JP" altLang="en-US"/>
+          </a:p>
+        </p:txBody>
+      </p:sp>
+      <p:sp>
+        <p:nvSpPr>
           <p:cNvPr id="2" name="タイトル 1"/>
           <p:cNvSpPr>
             <a:spLocks noGrp="1"/>
@@ -4916,22 +5753,87 @@
             <p:ph idx="1"/>
           </p:nvPr>
         </p:nvSpPr>
-        <p:spPr/>
-        <p:txBody>
-          <a:bodyPr/>
-          <a:lstStyle/>
-          <a:p>
-            <a:r>
-              <a:rPr kumimoji="1" lang="ja-JP" altLang="en-US" dirty="0" smtClean="0"/>
-              <a:t>フランスのビーバーのサーバをコピーして過去問をできるようにするのが目的です。</a:t>
-            </a:r>
-            <a:endParaRPr lang="en-US" altLang="ja-JP" dirty="0" smtClean="0"/>
-          </a:p>
-          <a:p>
-            <a:endParaRPr kumimoji="1" lang="en-US" altLang="ja-JP" dirty="0"/>
-          </a:p>
-          <a:p>
-            <a:endParaRPr kumimoji="1" lang="en-US" altLang="ja-JP" dirty="0" smtClean="0"/>
+        <p:spPr>
+          <a:xfrm>
+            <a:off x="1012466" y="1845734"/>
+            <a:ext cx="10058400" cy="4023360"/>
+          </a:xfrm>
+        </p:spPr>
+        <p:txBody>
+          <a:bodyPr/>
+          <a:lstStyle/>
+          <a:p>
+            <a:r>
+              <a:rPr lang="ja-JP" altLang="en-US" sz="2800" dirty="0" smtClean="0"/>
+              <a:t>フランスのグループがビーバーコンテストのソースコードを公開</a:t>
+            </a:r>
+            <a:endParaRPr lang="en-US" altLang="ja-JP" sz="2800" dirty="0"/>
+          </a:p>
+          <a:p>
+            <a:r>
+              <a:rPr lang="en-US" altLang="ja-JP" sz="2800" dirty="0" smtClean="0"/>
+              <a:t> </a:t>
+            </a:r>
+            <a:r>
+              <a:rPr lang="ja-JP" altLang="en-US" sz="2800" dirty="0" smtClean="0"/>
+              <a:t>していることを知る</a:t>
+            </a:r>
+          </a:p>
+          <a:p>
+            <a:pPr marL="0" indent="0">
+              <a:buNone/>
+            </a:pPr>
+            <a:r>
+              <a:rPr lang="en-US" altLang="ja-JP" sz="2800" dirty="0"/>
+              <a:t> </a:t>
+            </a:r>
+            <a:endParaRPr lang="en-US" altLang="ja-JP" sz="2800" dirty="0" smtClean="0"/>
+          </a:p>
+          <a:p>
+            <a:pPr marL="0" indent="0">
+              <a:buNone/>
+            </a:pPr>
+            <a:r>
+              <a:rPr lang="en-US" altLang="ja-JP" sz="2800" dirty="0" smtClean="0"/>
+              <a:t> </a:t>
+            </a:r>
+            <a:endParaRPr lang="en-US" altLang="ja-JP" sz="2800" dirty="0"/>
+          </a:p>
+          <a:p>
+            <a:pPr marL="0" indent="0">
+              <a:buNone/>
+            </a:pPr>
+            <a:r>
+              <a:rPr lang="en-US" altLang="ja-JP" sz="2800" dirty="0" smtClean="0"/>
+              <a:t>         </a:t>
+            </a:r>
+            <a:r>
+              <a:rPr lang="ja-JP" altLang="en-US" sz="3200" dirty="0" smtClean="0"/>
+              <a:t>フランスのグループの</a:t>
+            </a:r>
+            <a:r>
+              <a:rPr lang="ja-JP" altLang="en-US" sz="3200" dirty="0" smtClean="0"/>
+              <a:t>サーバーシステムを元に、</a:t>
+            </a:r>
+            <a:endParaRPr lang="en-US" altLang="ja-JP" sz="3200" dirty="0" smtClean="0"/>
+          </a:p>
+          <a:p>
+            <a:pPr marL="0" indent="0">
+              <a:buNone/>
+            </a:pPr>
+            <a:r>
+              <a:rPr lang="en-US" altLang="ja-JP" sz="3200" dirty="0"/>
+              <a:t> </a:t>
+            </a:r>
+            <a:r>
+              <a:rPr lang="en-US" altLang="ja-JP" sz="3200" dirty="0" smtClean="0"/>
+              <a:t>       </a:t>
+            </a:r>
+            <a:r>
+              <a:rPr lang="ja-JP" altLang="en-US" sz="3200" dirty="0" smtClean="0"/>
+              <a:t>快適なコンテスト環境を実装すること</a:t>
+            </a:r>
+            <a:endParaRPr lang="en-US" altLang="ja-JP" sz="3200" dirty="0" smtClean="0"/>
           </a:p>
         </p:txBody>
       </p:sp>
@@ -4945,6 +5847,13 @@
   <p:clrMapOvr>
     <a:masterClrMapping/>
   </p:clrMapOvr>
+  <p:timing>
+    <p:tnLst>
+      <p:par>
+        <p:cTn id="1" dur="indefinite" restart="never" nodeType="tmRoot"/>
+      </p:par>
+    </p:tnLst>
+  </p:timing>
 </p:sld>
 </file>
 
@@ -5243,7 +6152,7 @@
 <file path=ppt/theme/theme1.xml><?xml version="1.0" encoding="utf-8"?>
 <a:theme xmlns:a="http://schemas.openxmlformats.org/drawingml/2006/main" name="レトロスペクト">
   <a:themeElements>
-    <a:clrScheme name="Retrospect">
+    <a:clrScheme name="レトロスペクト">
       <a:dk1>
         <a:srgbClr val="000000"/>
       </a:dk1>
@@ -5281,7 +6190,7 @@
         <a:srgbClr val="8C8C8C"/>
       </a:folHlink>
     </a:clrScheme>
-    <a:fontScheme name="Retrospect">
+    <a:fontScheme name="レトロスペクト">
       <a:majorFont>
         <a:latin typeface="Calibri Light" panose="020F0302020204030204"/>
         <a:ea typeface=""/>
@@ -5353,7 +6262,7 @@
         <a:font script="Geor" typeface="Sylfaen"/>
       </a:minorFont>
     </a:fontScheme>
-    <a:fmtScheme name="Retrospect">
+    <a:fmtScheme name="レトロスペクト">
       <a:fillStyleLst>
         <a:solidFill>
           <a:schemeClr val="phClr"/>
@@ -5521,4 +6430,265 @@
     </a:ext>
   </a:extLst>
 </a:theme>
+</file>
+
+<file path=ppt/theme/theme2.xml><?xml version="1.0" encoding="utf-8"?>
+<a:theme xmlns:a="http://schemas.openxmlformats.org/drawingml/2006/main" name="ホワイト">
+  <a:themeElements>
+    <a:clrScheme name="Office">
+      <a:dk1>
+        <a:sysClr val="windowText" lastClr="000000"/>
+      </a:dk1>
+      <a:lt1>
+        <a:sysClr val="window" lastClr="FFFFFF"/>
+      </a:lt1>
+      <a:dk2>
+        <a:srgbClr val="44546A"/>
+      </a:dk2>
+      <a:lt2>
+        <a:srgbClr val="E7E6E6"/>
+      </a:lt2>
+      <a:accent1>
+        <a:srgbClr val="5B9BD5"/>
+      </a:accent1>
+      <a:accent2>
+        <a:srgbClr val="ED7D31"/>
+      </a:accent2>
+      <a:accent3>
+        <a:srgbClr val="A5A5A5"/>
+      </a:accent3>
+      <a:accent4>
+        <a:srgbClr val="FFC000"/>
+      </a:accent4>
+      <a:accent5>
+        <a:srgbClr val="4472C4"/>
+      </a:accent5>
+      <a:accent6>
+        <a:srgbClr val="70AD47"/>
+      </a:accent6>
+      <a:hlink>
+        <a:srgbClr val="0563C1"/>
+      </a:hlink>
+      <a:folHlink>
+        <a:srgbClr val="954F72"/>
+      </a:folHlink>
+    </a:clrScheme>
+    <a:fontScheme name="Office">
+      <a:majorFont>
+        <a:latin typeface="Yu Gothic Light" panose="020F0302020204030204"/>
+        <a:ea typeface=""/>
+        <a:cs typeface=""/>
+        <a:font script="Jpan" typeface="Yu Gothic Light"/>
+        <a:font script="Hang" typeface="맑은 고딕"/>
+        <a:font script="Hans" typeface="DengXian Light"/>
+        <a:font script="Hant" typeface="新細明體"/>
+        <a:font script="Arab" typeface="Times New Roman"/>
+        <a:font script="Hebr" typeface="Times New Roman"/>
+        <a:font script="Thai" typeface="Angsana New"/>
+        <a:font script="Ethi" typeface="Nyala"/>
+        <a:font script="Beng" typeface="Vrinda"/>
+        <a:font script="Gujr" typeface="Shruti"/>
+        <a:font script="Khmr" typeface="MoolBoran"/>
+        <a:font script="Knda" typeface="Tunga"/>
+        <a:font script="Guru" typeface="Raavi"/>
+        <a:font script="Cans" typeface="Euphemia"/>
+        <a:font script="Cher" typeface="Plantagenet Cherokee"/>
+        <a:font script="Yiii" typeface="Microsoft Yi Baiti"/>
+        <a:font script="Tibt" typeface="Microsoft Himalaya"/>
+        <a:font script="Thaa" typeface="MV Boli"/>
+        <a:font script="Deva" typeface="Mangal"/>
+        <a:font script="Telu" typeface="Gautami"/>
+        <a:font script="Taml" typeface="Latha"/>
+        <a:font script="Syrc" typeface="Estrangelo Edessa"/>
+        <a:font script="Orya" typeface="Kalinga"/>
+        <a:font script="Mlym" typeface="Kartika"/>
+        <a:font script="Laoo" typeface="DokChampa"/>
+        <a:font script="Sinh" typeface="Iskoola Pota"/>
+        <a:font script="Mong" typeface="Mongolian Baiti"/>
+        <a:font script="Viet" typeface="Times New Roman"/>
+        <a:font script="Uigh" typeface="Microsoft Uighur"/>
+        <a:font script="Geor" typeface="Sylfaen"/>
+      </a:majorFont>
+      <a:minorFont>
+        <a:latin typeface="Yu Gothic" panose="020F0502020204030204"/>
+        <a:ea typeface=""/>
+        <a:cs typeface=""/>
+        <a:font script="Jpan" typeface="Yu Gothic"/>
+        <a:font script="Hang" typeface="맑은 고딕"/>
+        <a:font script="Hans" typeface="DengXian"/>
+        <a:font script="Hant" typeface="新細明體"/>
+        <a:font script="Arab" typeface="Arial"/>
+        <a:font script="Hebr" typeface="Arial"/>
+        <a:font script="Thai" typeface="Cordia New"/>
+        <a:font script="Ethi" typeface="Nyala"/>
+        <a:font script="Beng" typeface="Vrinda"/>
+        <a:font script="Gujr" typeface="Shruti"/>
+        <a:font script="Khmr" typeface="DaunPenh"/>
+        <a:font script="Knda" typeface="Tunga"/>
+        <a:font script="Guru" typeface="Raavi"/>
+        <a:font script="Cans" typeface="Euphemia"/>
+        <a:font script="Cher" typeface="Plantagenet Cherokee"/>
+        <a:font script="Yiii" typeface="Microsoft Yi Baiti"/>
+        <a:font script="Tibt" typeface="Microsoft Himalaya"/>
+        <a:font script="Thaa" typeface="MV Boli"/>
+        <a:font script="Deva" typeface="Mangal"/>
+        <a:font script="Telu" typeface="Gautami"/>
+        <a:font script="Taml" typeface="Latha"/>
+        <a:font script="Syrc" typeface="Estrangelo Edessa"/>
+        <a:font script="Orya" typeface="Kalinga"/>
+        <a:font script="Mlym" typeface="Kartika"/>
+        <a:font script="Laoo" typeface="DokChampa"/>
+        <a:font script="Sinh" typeface="Iskoola Pota"/>
+        <a:font script="Mong" typeface="Mongolian Baiti"/>
+        <a:font script="Viet" typeface="Arial"/>
+        <a:font script="Uigh" typeface="Microsoft Uighur"/>
+        <a:font script="Geor" typeface="Sylfaen"/>
+      </a:minorFont>
+    </a:fontScheme>
+    <a:fmtScheme name="Office">
+      <a:fillStyleLst>
+        <a:solidFill>
+          <a:schemeClr val="phClr"/>
+        </a:solidFill>
+        <a:gradFill rotWithShape="1">
+          <a:gsLst>
+            <a:gs pos="0">
+              <a:schemeClr val="phClr">
+                <a:lumMod val="110000"/>
+                <a:satMod val="105000"/>
+                <a:tint val="67000"/>
+              </a:schemeClr>
+            </a:gs>
+            <a:gs pos="50000">
+              <a:schemeClr val="phClr">
+                <a:lumMod val="105000"/>
+                <a:satMod val="103000"/>
+                <a:tint val="73000"/>
+              </a:schemeClr>
+            </a:gs>
+            <a:gs pos="100000">
+              <a:schemeClr val="phClr">
+                <a:lumMod val="105000"/>
+                <a:satMod val="109000"/>
+                <a:tint val="81000"/>
+              </a:schemeClr>
+            </a:gs>
+          </a:gsLst>
+          <a:lin ang="5400000" scaled="0"/>
+        </a:gradFill>
+        <a:gradFill rotWithShape="1">
+          <a:gsLst>
+            <a:gs pos="0">
+              <a:schemeClr val="phClr">
+                <a:satMod val="103000"/>
+                <a:lumMod val="102000"/>
+                <a:tint val="94000"/>
+              </a:schemeClr>
+            </a:gs>
+            <a:gs pos="50000">
+              <a:schemeClr val="phClr">
+                <a:satMod val="110000"/>
+                <a:lumMod val="100000"/>
+                <a:shade val="100000"/>
+              </a:schemeClr>
+            </a:gs>
+            <a:gs pos="100000">
+              <a:schemeClr val="phClr">
+                <a:lumMod val="99000"/>
+                <a:satMod val="120000"/>
+                <a:shade val="78000"/>
+              </a:schemeClr>
+            </a:gs>
+          </a:gsLst>
+          <a:lin ang="5400000" scaled="0"/>
+        </a:gradFill>
+      </a:fillStyleLst>
+      <a:lnStyleLst>
+        <a:ln w="6350" cap="flat" cmpd="sng" algn="ctr">
+          <a:solidFill>
+            <a:schemeClr val="phClr"/>
+          </a:solidFill>
+          <a:prstDash val="solid"/>
+          <a:miter lim="800000"/>
+        </a:ln>
+        <a:ln w="12700" cap="flat" cmpd="sng" algn="ctr">
+          <a:solidFill>
+            <a:schemeClr val="phClr"/>
+          </a:solidFill>
+          <a:prstDash val="solid"/>
+          <a:miter lim="800000"/>
+        </a:ln>
+        <a:ln w="19050" cap="flat" cmpd="sng" algn="ctr">
+          <a:solidFill>
+            <a:schemeClr val="phClr"/>
+          </a:solidFill>
+          <a:prstDash val="solid"/>
+          <a:miter lim="800000"/>
+        </a:ln>
+      </a:lnStyleLst>
+      <a:effectStyleLst>
+        <a:effectStyle>
+          <a:effectLst/>
+        </a:effectStyle>
+        <a:effectStyle>
+          <a:effectLst/>
+        </a:effectStyle>
+        <a:effectStyle>
+          <a:effectLst>
+            <a:outerShdw blurRad="57150" dist="19050" dir="5400000" algn="ctr" rotWithShape="0">
+              <a:srgbClr val="000000">
+                <a:alpha val="63000"/>
+              </a:srgbClr>
+            </a:outerShdw>
+          </a:effectLst>
+        </a:effectStyle>
+      </a:effectStyleLst>
+      <a:bgFillStyleLst>
+        <a:solidFill>
+          <a:schemeClr val="phClr"/>
+        </a:solidFill>
+        <a:solidFill>
+          <a:schemeClr val="phClr">
+            <a:tint val="95000"/>
+            <a:satMod val="170000"/>
+          </a:schemeClr>
+        </a:solidFill>
+        <a:gradFill rotWithShape="1">
+          <a:gsLst>
+            <a:gs pos="0">
+              <a:schemeClr val="phClr">
+                <a:tint val="93000"/>
+                <a:satMod val="150000"/>
+                <a:shade val="98000"/>
+                <a:lumMod val="102000"/>
+              </a:schemeClr>
+            </a:gs>
+            <a:gs pos="50000">
+              <a:schemeClr val="phClr">
+                <a:tint val="98000"/>
+                <a:satMod val="130000"/>
+                <a:shade val="90000"/>
+                <a:lumMod val="103000"/>
+              </a:schemeClr>
+            </a:gs>
+            <a:gs pos="100000">
+              <a:schemeClr val="phClr">
+                <a:shade val="63000"/>
+                <a:satMod val="120000"/>
+              </a:schemeClr>
+            </a:gs>
+          </a:gsLst>
+          <a:lin ang="5400000" scaled="0"/>
+        </a:gradFill>
+      </a:bgFillStyleLst>
+    </a:fmtScheme>
+  </a:themeElements>
+  <a:objectDefaults/>
+  <a:extraClrSchemeLst/>
+  <a:extLst>
+    <a:ext uri="{05A4C25C-085E-4340-85A3-A5531E510DB2}">
+      <thm15:themeFamily xmlns:thm15="http://schemas.microsoft.com/office/thememl/2012/main" name="Office Theme" id="{62F939B6-93AF-4DB8-9C6B-D6C7DFDC589F}" vid="{4A3C46E8-61CC-4603-A589-7422A47A8E4A}"/>
+    </a:ext>
+  </a:extLst>
+</a:theme>
 </file>
--- a/中間発表/ビーバー中間発表.pptx
+++ b/中間発表/ビーバー中間発表.pptx
@@ -5138,7 +5138,88 @@
           <a:bodyPr/>
           <a:lstStyle/>
           <a:p>
-            <a:endParaRPr kumimoji="1" lang="ja-JP" altLang="en-US"/>
+            <a:r>
+              <a:rPr kumimoji="1" lang="en-US" altLang="ja-JP" dirty="0" smtClean="0"/>
+              <a:t>1.</a:t>
+            </a:r>
+            <a:r>
+              <a:rPr kumimoji="1" lang="ja-JP" altLang="en-US" dirty="0" smtClean="0"/>
+              <a:t>はじめに</a:t>
+            </a:r>
+          </a:p>
+          <a:p>
+            <a:r>
+              <a:rPr kumimoji="1" lang="en-US" altLang="ja-JP" dirty="0" smtClean="0"/>
+              <a:t>  1.1 </a:t>
+            </a:r>
+            <a:r>
+              <a:rPr kumimoji="1" lang="ja-JP" altLang="en-US" dirty="0" smtClean="0"/>
+              <a:t>ビーバーコンテストについて</a:t>
+            </a:r>
+          </a:p>
+          <a:p>
+            <a:r>
+              <a:rPr kumimoji="1" lang="en-US" altLang="ja-JP" dirty="0" smtClean="0"/>
+              <a:t>  1.2 </a:t>
+            </a:r>
+            <a:r>
+              <a:rPr kumimoji="1" lang="ja-JP" altLang="en-US" dirty="0" smtClean="0"/>
+              <a:t>演習背景</a:t>
+            </a:r>
+          </a:p>
+          <a:p>
+            <a:r>
+              <a:rPr kumimoji="1" lang="en-US" altLang="ja-JP" dirty="0" smtClean="0"/>
+              <a:t>  1.3 </a:t>
+            </a:r>
+            <a:r>
+              <a:rPr kumimoji="1" lang="ja-JP" altLang="en-US" dirty="0" smtClean="0"/>
+              <a:t>演習目的</a:t>
+            </a:r>
+            <a:endParaRPr kumimoji="1" lang="en-US" altLang="ja-JP" dirty="0" smtClean="0"/>
+          </a:p>
+          <a:p>
+            <a:r>
+              <a:rPr kumimoji="1" lang="en-US" altLang="ja-JP" dirty="0" smtClean="0"/>
+              <a:t>  1.4 </a:t>
+            </a:r>
+            <a:r>
+              <a:rPr kumimoji="1" lang="ja-JP" altLang="en-US" dirty="0" smtClean="0"/>
+              <a:t>用語説明</a:t>
+            </a:r>
+            <a:endParaRPr kumimoji="1" lang="en-US" altLang="ja-JP" dirty="0" smtClean="0"/>
+          </a:p>
+          <a:p>
+            <a:r>
+              <a:rPr kumimoji="1" lang="en-US" altLang="ja-JP" dirty="0" smtClean="0"/>
+              <a:t>2.</a:t>
+            </a:r>
+            <a:r>
+              <a:rPr kumimoji="1" lang="ja-JP" altLang="en-US" dirty="0" smtClean="0"/>
+              <a:t>本演習の詳細</a:t>
+            </a:r>
+            <a:endParaRPr kumimoji="1" lang="en-US" altLang="ja-JP" dirty="0" smtClean="0"/>
+          </a:p>
+          <a:p>
+            <a:r>
+              <a:rPr lang="en-US" altLang="ja-JP" dirty="0" smtClean="0"/>
+              <a:t>3.</a:t>
+            </a:r>
+            <a:r>
+              <a:rPr lang="ja-JP" altLang="en-US" dirty="0" smtClean="0"/>
+              <a:t>まとめ</a:t>
+            </a:r>
+          </a:p>
+          <a:p>
+            <a:r>
+              <a:rPr kumimoji="1" lang="en-US" altLang="ja-JP" dirty="0" smtClean="0"/>
+              <a:t>  3.1 </a:t>
+            </a:r>
+            <a:r>
+              <a:rPr kumimoji="1" lang="ja-JP" altLang="en-US" dirty="0" smtClean="0"/>
+              <a:t>今後の課題</a:t>
+            </a:r>
+            <a:endParaRPr kumimoji="1" lang="ja-JP" altLang="en-US" dirty="0"/>
           </a:p>
         </p:txBody>
       </p:sp>
@@ -5226,11 +5307,7 @@
           <a:p>
             <a:r>
               <a:rPr lang="ja-JP" altLang="en-US" sz="2800" dirty="0" smtClean="0"/>
-              <a:t>・</a:t>
-            </a:r>
-            <a:r>
-              <a:rPr lang="ja-JP" altLang="en-US" sz="2800" dirty="0" smtClean="0"/>
-              <a:t>日本</a:t>
+              <a:t>・日本</a:t>
             </a:r>
             <a:r>
               <a:rPr lang="ja-JP" altLang="en-US" sz="2800" dirty="0"/>
@@ -5278,11 +5355,7 @@
           <a:p>
             <a:r>
               <a:rPr lang="ja-JP" altLang="en-US" sz="2800" dirty="0" smtClean="0"/>
-              <a:t>・</a:t>
-            </a:r>
-            <a:r>
-              <a:rPr lang="ja-JP" altLang="en-US" sz="2800" dirty="0" smtClean="0"/>
-              <a:t>情報</a:t>
+              <a:t>・情報</a:t>
             </a:r>
             <a:r>
               <a:rPr lang="ja-JP" altLang="en-US" sz="2800" dirty="0"/>
@@ -5350,11 +5423,7 @@
             </a:r>
             <a:r>
               <a:rPr lang="en-US" altLang="ja-JP" sz="1800" dirty="0" smtClean="0"/>
-              <a:t> : </a:t>
-            </a:r>
-            <a:r>
-              <a:rPr lang="en-US" altLang="ja-JP" sz="1800" dirty="0" smtClean="0"/>
-              <a:t>http</a:t>
+              <a:t> : http</a:t>
             </a:r>
             <a:r>
               <a:rPr lang="en-US" altLang="ja-JP" sz="1800" dirty="0"/>
@@ -5560,58 +5629,14 @@
           <a:p>
             <a:r>
               <a:rPr lang="ja-JP" altLang="en-US" sz="2800" dirty="0" smtClean="0"/>
-              <a:t>現在、ビーバーコンテスト</a:t>
-            </a:r>
+              <a:t>現在、ビーバーコンテストは離れたオランダのサーバーに接続する</a:t>
+            </a:r>
+            <a:endParaRPr lang="en-US" altLang="ja-JP" sz="2800" dirty="0" smtClean="0"/>
+          </a:p>
+          <a:p>
             <a:r>
               <a:rPr lang="ja-JP" altLang="en-US" sz="2800" dirty="0" smtClean="0"/>
-              <a:t>は</a:t>
-            </a:r>
-            <a:r>
-              <a:rPr lang="ja-JP" altLang="en-US" sz="2800" dirty="0" smtClean="0"/>
-              <a:t>離れた</a:t>
-            </a:r>
-            <a:r>
-              <a:rPr lang="ja-JP" altLang="en-US" sz="2800" dirty="0" smtClean="0"/>
-              <a:t>オランダ</a:t>
-            </a:r>
-            <a:r>
-              <a:rPr lang="ja-JP" altLang="en-US" sz="2800" dirty="0" smtClean="0"/>
-              <a:t>のサーバー</a:t>
-            </a:r>
-            <a:r>
-              <a:rPr lang="ja-JP" altLang="en-US" sz="2800" dirty="0" smtClean="0"/>
-              <a:t>に接続する</a:t>
-            </a:r>
-            <a:endParaRPr lang="en-US" altLang="ja-JP" sz="2800" dirty="0" smtClean="0"/>
-          </a:p>
-          <a:p>
-            <a:r>
-              <a:rPr lang="ja-JP" altLang="en-US" sz="2800" dirty="0" smtClean="0"/>
-              <a:t>必要</a:t>
-            </a:r>
-            <a:r>
-              <a:rPr lang="ja-JP" altLang="en-US" sz="2800" dirty="0" smtClean="0"/>
-              <a:t>が</a:t>
-            </a:r>
-            <a:r>
-              <a:rPr lang="ja-JP" altLang="en-US" sz="2800" dirty="0" smtClean="0"/>
-              <a:t>あ</a:t>
-            </a:r>
-            <a:r>
-              <a:rPr lang="ja-JP" altLang="en-US" sz="2800" dirty="0" smtClean="0"/>
-              <a:t>り、</a:t>
-            </a:r>
-            <a:r>
-              <a:rPr lang="ja-JP" altLang="en-US" sz="2800" dirty="0" smtClean="0"/>
-              <a:t>環境</a:t>
-            </a:r>
-            <a:r>
-              <a:rPr lang="ja-JP" altLang="en-US" sz="2800" dirty="0" smtClean="0"/>
-              <a:t>によっては正常に受けられない</a:t>
-            </a:r>
-            <a:r>
-              <a:rPr lang="ja-JP" altLang="en-US" sz="2800" dirty="0" smtClean="0"/>
-              <a:t>ことがあった</a:t>
+              <a:t>必要があり、環境によっては正常に受けられないことがあった</a:t>
             </a:r>
             <a:endParaRPr lang="en-US" altLang="ja-JP" sz="2800" dirty="0" smtClean="0"/>
           </a:p>
@@ -5809,11 +5834,7 @@
             </a:r>
             <a:r>
               <a:rPr lang="ja-JP" altLang="en-US" sz="3200" dirty="0" smtClean="0"/>
-              <a:t>フランスのグループの</a:t>
-            </a:r>
-            <a:r>
-              <a:rPr lang="ja-JP" altLang="en-US" sz="3200" dirty="0" smtClean="0"/>
-              <a:t>サーバーシステムを元に、</a:t>
+              <a:t>フランスのグループのサーバーシステムを元に、</a:t>
             </a:r>
             <a:endParaRPr lang="en-US" altLang="ja-JP" sz="3200" dirty="0" smtClean="0"/>
           </a:p>
